--- a/2023 весна/лекции/лекция 14 нов.pptx
+++ b/2023 весна/лекции/лекция 14 нов.pptx
@@ -331,7 +331,7 @@
           <a:p>
             <a:fld id="{F6AC2008-05F8-45B1-A816-9CBD1C15D35E}" type="datetimeFigureOut">
               <a:rPr lang="ru-RU" smtClean="0"/>
-              <a:t>13.12.2021</a:t>
+              <a:t>15.05.2023</a:t>
             </a:fld>
             <a:endParaRPr lang="ru-RU"/>
           </a:p>
@@ -861,7 +861,7 @@
           <a:p>
             <a:fld id="{A193646C-F49A-4670-8098-81142323192A}" type="datetimeFigureOut">
               <a:rPr lang="ru-RU" smtClean="0"/>
-              <a:t>13.12.2021</a:t>
+              <a:t>15.05.2023</a:t>
             </a:fld>
             <a:endParaRPr lang="ru-RU"/>
           </a:p>
@@ -1029,7 +1029,7 @@
           <a:p>
             <a:fld id="{A193646C-F49A-4670-8098-81142323192A}" type="datetimeFigureOut">
               <a:rPr lang="ru-RU" smtClean="0"/>
-              <a:t>13.12.2021</a:t>
+              <a:t>15.05.2023</a:t>
             </a:fld>
             <a:endParaRPr lang="ru-RU"/>
           </a:p>
@@ -1207,7 +1207,7 @@
           <a:p>
             <a:fld id="{A193646C-F49A-4670-8098-81142323192A}" type="datetimeFigureOut">
               <a:rPr lang="ru-RU" smtClean="0"/>
-              <a:t>13.12.2021</a:t>
+              <a:t>15.05.2023</a:t>
             </a:fld>
             <a:endParaRPr lang="ru-RU"/>
           </a:p>
@@ -1365,7 +1365,7 @@
           <a:p>
             <a:fld id="{33383F19-6164-449D-A235-F1729FE51F38}" type="datetime1">
               <a:rPr lang="ru-RU" smtClean="0"/>
-              <a:t>13.12.2021</a:t>
+              <a:t>15.05.2023</a:t>
             </a:fld>
             <a:endParaRPr lang="ru-RU"/>
           </a:p>
@@ -1552,7 +1552,7 @@
           <a:p>
             <a:fld id="{A193646C-F49A-4670-8098-81142323192A}" type="datetimeFigureOut">
               <a:rPr lang="ru-RU" smtClean="0"/>
-              <a:t>13.12.2021</a:t>
+              <a:t>15.05.2023</a:t>
             </a:fld>
             <a:endParaRPr lang="ru-RU"/>
           </a:p>
@@ -1797,7 +1797,7 @@
           <a:p>
             <a:fld id="{A193646C-F49A-4670-8098-81142323192A}" type="datetimeFigureOut">
               <a:rPr lang="ru-RU" smtClean="0"/>
-              <a:t>13.12.2021</a:t>
+              <a:t>15.05.2023</a:t>
             </a:fld>
             <a:endParaRPr lang="ru-RU"/>
           </a:p>
@@ -2082,7 +2082,7 @@
           <a:p>
             <a:fld id="{A193646C-F49A-4670-8098-81142323192A}" type="datetimeFigureOut">
               <a:rPr lang="ru-RU" smtClean="0"/>
-              <a:t>13.12.2021</a:t>
+              <a:t>15.05.2023</a:t>
             </a:fld>
             <a:endParaRPr lang="ru-RU"/>
           </a:p>
@@ -2501,7 +2501,7 @@
           <a:p>
             <a:fld id="{A193646C-F49A-4670-8098-81142323192A}" type="datetimeFigureOut">
               <a:rPr lang="ru-RU" smtClean="0"/>
-              <a:t>13.12.2021</a:t>
+              <a:t>15.05.2023</a:t>
             </a:fld>
             <a:endParaRPr lang="ru-RU"/>
           </a:p>
@@ -2618,7 +2618,7 @@
           <a:p>
             <a:fld id="{A193646C-F49A-4670-8098-81142323192A}" type="datetimeFigureOut">
               <a:rPr lang="ru-RU" smtClean="0"/>
-              <a:t>13.12.2021</a:t>
+              <a:t>15.05.2023</a:t>
             </a:fld>
             <a:endParaRPr lang="ru-RU"/>
           </a:p>
@@ -2713,7 +2713,7 @@
           <a:p>
             <a:fld id="{A193646C-F49A-4670-8098-81142323192A}" type="datetimeFigureOut">
               <a:rPr lang="ru-RU" smtClean="0"/>
-              <a:t>13.12.2021</a:t>
+              <a:t>15.05.2023</a:t>
             </a:fld>
             <a:endParaRPr lang="ru-RU"/>
           </a:p>
@@ -2988,7 +2988,7 @@
           <a:p>
             <a:fld id="{A193646C-F49A-4670-8098-81142323192A}" type="datetimeFigureOut">
               <a:rPr lang="ru-RU" smtClean="0"/>
-              <a:t>13.12.2021</a:t>
+              <a:t>15.05.2023</a:t>
             </a:fld>
             <a:endParaRPr lang="ru-RU"/>
           </a:p>
@@ -3240,7 +3240,7 @@
           <a:p>
             <a:fld id="{A193646C-F49A-4670-8098-81142323192A}" type="datetimeFigureOut">
               <a:rPr lang="ru-RU" smtClean="0"/>
-              <a:t>13.12.2021</a:t>
+              <a:t>15.05.2023</a:t>
             </a:fld>
             <a:endParaRPr lang="ru-RU"/>
           </a:p>
@@ -3451,7 +3451,7 @@
           <a:p>
             <a:fld id="{A193646C-F49A-4670-8098-81142323192A}" type="datetimeFigureOut">
               <a:rPr lang="ru-RU" smtClean="0"/>
-              <a:t>13.12.2021</a:t>
+              <a:t>15.05.2023</a:t>
             </a:fld>
             <a:endParaRPr lang="ru-RU"/>
           </a:p>
@@ -5495,10 +5495,6 @@
               <a:rPr lang="ru-RU" b="1" dirty="0" err="1"/>
               <a:t>передтчика</a:t>
             </a:r>
-            <a:r>
-              <a:rPr lang="en-US" b="1" dirty="0"/>
-              <a:t/>
-            </a:r>
             <a:br>
               <a:rPr lang="en-US" b="1" dirty="0"/>
             </a:br>
@@ -5575,10 +5571,6 @@
             <a:r>
               <a:rPr lang="ru-RU" b="1" dirty="0"/>
               <a:t>Структурная схема приемника </a:t>
-            </a:r>
-            <a:r>
-              <a:rPr lang="en-US" b="1" dirty="0"/>
-              <a:t/>
             </a:r>
             <a:br>
               <a:rPr lang="en-US" b="1" dirty="0"/>
@@ -6550,11 +6542,11 @@
           <a:lstStyle/>
           <a:p>
             <a:r>
-              <a:rPr lang="ru-RU" dirty="0" smtClean="0"/>
+              <a:rPr lang="ru-RU" dirty="0"/>
               <a:t>Особенности стандарта </a:t>
             </a:r>
             <a:r>
-              <a:rPr lang="en-US" dirty="0" err="1" smtClean="0"/>
+              <a:rPr lang="en-US" dirty="0" err="1"/>
               <a:t>BlueTooth</a:t>
             </a:r>
             <a:endParaRPr lang="ru-RU" dirty="0"/>
@@ -6599,7 +6591,7 @@
               <a:rPr lang="ru-RU" b="1" dirty="0"/>
             </a:br>
             <a:r>
-              <a:rPr lang="ru-RU" b="1" dirty="0" smtClean="0"/>
+              <a:rPr lang="ru-RU" b="1" dirty="0"/>
               <a:t>Беспроводные локальные сети </a:t>
             </a:r>
             <a:r>
@@ -13411,14 +13403,6 @@
   <p:clrMapOvr>
     <a:masterClrMapping/>
   </p:clrMapOvr>
-  <mc:AlternateContent xmlns:mc="http://schemas.openxmlformats.org/markup-compatibility/2006" xmlns:p14="http://schemas.microsoft.com/office/powerpoint/2010/main">
-    <mc:Choice Requires="p14">
-      <p:transition spd="slow" p14:dur="2000"/>
-    </mc:Choice>
-    <mc:Fallback xmlns="">
-      <p:transition spd="slow"/>
-    </mc:Fallback>
-  </mc:AlternateContent>
 </p:sld>
 </file>
 
@@ -13495,7 +13479,7 @@
               <a:t>Сравнение </a:t>
             </a:r>
             <a:r>
-              <a:rPr lang="ru-RU" sz="2800" b="1" dirty="0" smtClean="0">
+              <a:rPr lang="ru-RU" sz="2800" b="1" dirty="0">
                 <a:solidFill>
                   <a:srgbClr val="000000"/>
                 </a:solidFill>
@@ -13505,22 +13489,13 @@
               <a:t>ЛВС</a:t>
             </a:r>
             <a:r>
-              <a:rPr lang="ru-RU" sz="2800" b="1" dirty="0" smtClean="0">
-                <a:solidFill>
-                  <a:srgbClr val="000000"/>
-                </a:solidFill>
-                <a:latin typeface="Tahoma" pitchFamily="34" charset="0"/>
-              </a:rPr>
-              <a:t> </a:t>
-            </a:r>
-            <a:r>
               <a:rPr lang="ru-RU" sz="2800" b="1" dirty="0">
                 <a:solidFill>
                   <a:srgbClr val="000000"/>
                 </a:solidFill>
                 <a:latin typeface="Tahoma" pitchFamily="34" charset="0"/>
               </a:rPr>
-              <a:t>и</a:t>
+              <a:t> и</a:t>
             </a:r>
             <a:r>
               <a:rPr lang="ru-RU" sz="2800" b="1" dirty="0">
@@ -13533,7 +13508,7 @@
               <a:t> </a:t>
             </a:r>
             <a:r>
-              <a:rPr lang="ru-RU" sz="2800" b="1" dirty="0" smtClean="0">
+              <a:rPr lang="ru-RU" sz="2800" b="1" dirty="0">
                 <a:solidFill>
                   <a:srgbClr val="000000"/>
                 </a:solidFill>
@@ -13548,7 +13523,7 @@
               <a:t>Bluetooth</a:t>
             </a:r>
             <a:r>
-              <a:rPr lang="ru-RU" sz="2800" b="1" dirty="0" smtClean="0">
+              <a:rPr lang="ru-RU" sz="2800" b="1" dirty="0">
                 <a:solidFill>
                   <a:srgbClr val="000000"/>
                 </a:solidFill>
@@ -13712,7 +13687,7 @@
                         <a:tabLst/>
                       </a:pPr>
                       <a:r>
-                        <a:rPr kumimoji="0" lang="ru-RU" sz="1400" b="1" i="0" u="none" strike="noStrike" cap="none" normalizeH="0" baseline="0" dirty="0" smtClean="0">
+                        <a:rPr kumimoji="0" lang="ru-RU" sz="1400" b="1" i="0" u="none" strike="noStrike" cap="none" normalizeH="0" baseline="0" dirty="0">
                           <a:ln>
                             <a:noFill/>
                           </a:ln>
@@ -13725,7 +13700,7 @@
                         <a:t>Сети IEEE 802.11</a:t>
                       </a:r>
                       <a:r>
-                        <a:rPr kumimoji="0" lang="en-US" sz="1400" b="1" i="0" u="none" strike="noStrike" cap="none" normalizeH="0" baseline="0" dirty="0" smtClean="0">
+                        <a:rPr kumimoji="0" lang="en-US" sz="1400" b="1" i="0" u="none" strike="noStrike" cap="none" normalizeH="0" baseline="0" dirty="0">
                           <a:ln>
                             <a:noFill/>
                           </a:ln>
@@ -13738,7 +13713,7 @@
                         <a:t>a – </a:t>
                       </a:r>
                       <a:r>
-                        <a:rPr kumimoji="0" lang="en-US" sz="1400" b="1" i="0" u="none" strike="noStrike" cap="none" normalizeH="0" baseline="0" dirty="0" err="1" smtClean="0">
+                        <a:rPr kumimoji="0" lang="en-US" sz="1400" b="1" i="0" u="none" strike="noStrike" cap="none" normalizeH="0" baseline="0" dirty="0" err="1">
                           <a:ln>
                             <a:noFill/>
                           </a:ln>
@@ -13833,7 +13808,7 @@
                         <a:tabLst/>
                       </a:pPr>
                       <a:r>
-                        <a:rPr kumimoji="0" lang="ru-RU" sz="1400" b="1" i="0" u="none" strike="noStrike" cap="none" normalizeH="0" baseline="0" dirty="0" err="1" smtClean="0">
+                        <a:rPr kumimoji="0" lang="ru-RU" sz="1400" b="1" i="0" u="none" strike="noStrike" cap="none" normalizeH="0" baseline="0" dirty="0" err="1">
                           <a:ln>
                             <a:noFill/>
                           </a:ln>
@@ -16334,14 +16309,6 @@
   <p:clrMapOvr>
     <a:masterClrMapping/>
   </p:clrMapOvr>
-  <mc:AlternateContent xmlns:mc="http://schemas.openxmlformats.org/markup-compatibility/2006" xmlns:p14="http://schemas.microsoft.com/office/powerpoint/2010/main">
-    <mc:Choice Requires="p14">
-      <p:transition spd="slow" p14:dur="2000"/>
-    </mc:Choice>
-    <mc:Fallback xmlns="">
-      <p:transition spd="slow"/>
-    </mc:Fallback>
-  </mc:AlternateContent>
 </p:sld>
 </file>
 
@@ -16411,7 +16378,6 @@
           </p:cNvGraphicFramePr>
           <p:nvPr>
             <p:ph idx="1"/>
-            <p:extLst/>
           </p:nvPr>
         </p:nvGraphicFramePr>
         <p:xfrm>
@@ -17250,10 +17216,6 @@
             <a:r>
               <a:rPr lang="ru-RU" sz="2200" dirty="0"/>
               <a:t>Описываются стандартами </a:t>
-            </a:r>
-            <a:r>
-              <a:rPr lang="en-US" sz="2200" dirty="0"/>
-              <a:t/>
             </a:r>
             <a:br>
               <a:rPr lang="en-US" sz="2200" dirty="0"/>
@@ -18075,13 +18037,7 @@
                         <a:rPr lang="ru-RU" sz="2000" u="none" strike="noStrike" dirty="0">
                           <a:effectLst/>
                         </a:rPr>
-                        <a:t>Схемы </a:t>
-                      </a:r>
-                      <a:r>
-                        <a:rPr lang="ru-RU" sz="2000" u="none" strike="noStrike" dirty="0" smtClean="0">
-                          <a:effectLst/>
-                        </a:rPr>
-                        <a:t>доступа в сеть</a:t>
+                        <a:t>Схемы доступа в сеть</a:t>
                       </a:r>
                       <a:endParaRPr lang="ru-RU" sz="2000" b="0" i="0" u="none" strike="noStrike" dirty="0">
                         <a:solidFill>
@@ -18184,16 +18140,10 @@
                     <a:p>
                       <a:pPr algn="ctr" fontAlgn="b"/>
                       <a:r>
-                        <a:rPr lang="ru-RU" sz="2000" u="none" strike="noStrike" dirty="0" smtClean="0">
-                          <a:effectLst/>
-                        </a:rPr>
-                        <a:t>Метод Расширение </a:t>
-                      </a:r>
-                      <a:r>
                         <a:rPr lang="ru-RU" sz="2000" u="none" strike="noStrike" dirty="0">
                           <a:effectLst/>
                         </a:rPr>
-                        <a:t>спектра</a:t>
+                        <a:t>Метод Расширение спектра</a:t>
                       </a:r>
                       <a:endParaRPr lang="ru-RU" sz="2000" b="0" i="0" u="none" strike="noStrike" dirty="0">
                         <a:solidFill>
@@ -18695,9 +18645,7 @@
           <p:cNvGraphicFramePr>
             <a:graphicFrameLocks noChangeAspect="1"/>
           </p:cNvGraphicFramePr>
-          <p:nvPr>
-            <p:extLst/>
-          </p:nvPr>
+          <p:nvPr/>
         </p:nvGraphicFramePr>
         <p:xfrm>
           <a:off x="3131840" y="4365104"/>
@@ -18707,12 +18655,12 @@
           <a:graphicData uri="http://schemas.openxmlformats.org/presentationml/2006/ole">
             <mc:AlternateContent xmlns:mc="http://schemas.openxmlformats.org/markup-compatibility/2006">
               <mc:Choice xmlns:v="urn:schemas-microsoft-com:vml" Requires="v">
-                <p:oleObj spid="_x0000_s23567" name="Visio" r:id="rId3" imgW="3172151" imgH="1884777" progId="">
+                <p:oleObj name="Visio" r:id="rId2" imgW="3172151" imgH="1884777" progId="">
                   <p:embed/>
                 </p:oleObj>
               </mc:Choice>
               <mc:Fallback>
-                <p:oleObj name="Visio" r:id="rId3" imgW="3172151" imgH="1884777" progId="">
+                <p:oleObj name="Visio" r:id="rId2" imgW="3172151" imgH="1884777" progId="">
                   <p:embed/>
                   <p:pic>
                     <p:nvPicPr>
@@ -18723,7 +18671,7 @@
                       <p:nvPr/>
                     </p:nvPicPr>
                     <p:blipFill>
-                      <a:blip r:embed="rId4">
+                      <a:blip r:embed="rId3">
                         <a:extLst>
                           <a:ext uri="{28A0092B-C50C-407E-A947-70E740481C1C}">
                             <a14:useLocalDpi xmlns:a14="http://schemas.microsoft.com/office/drawing/2010/main" val="0"/>
@@ -18744,7 +18692,6 @@
                         <a:avLst/>
                       </a:prstGeom>
                       <a:noFill/>
-                      <a:extLst/>
                     </p:spPr>
                   </p:pic>
                 </p:oleObj>
@@ -18839,18 +18786,14 @@
           <a:lstStyle/>
           <a:p>
             <a:r>
-              <a:rPr lang="ru-RU" sz="2000" b="1" dirty="0" smtClean="0"/>
+              <a:rPr lang="ru-RU" sz="2000" b="1" dirty="0"/>
               <a:t>Работа в сети проходит в нескольких состояниях:</a:t>
             </a:r>
           </a:p>
           <a:p>
             <a:r>
-              <a:rPr lang="ru-RU" sz="2000" b="1" dirty="0" smtClean="0"/>
-              <a:t>холостое </a:t>
-            </a:r>
-            <a:r>
               <a:rPr lang="ru-RU" sz="2000" b="1" dirty="0"/>
-              <a:t>состояние </a:t>
+              <a:t>холостое состояние </a:t>
             </a:r>
             <a:r>
               <a:rPr lang="ru-RU" sz="2000" dirty="0"/>
@@ -19077,7 +19020,7 @@
           </a:lstStyle>
           <a:p>
             <a:r>
-              <a:rPr lang="ru-RU" sz="2100" b="1" dirty="0" smtClean="0"/>
+              <a:rPr lang="ru-RU" sz="2100" b="1" dirty="0"/>
               <a:t>Промежуточные состояния</a:t>
             </a:r>
           </a:p>
@@ -19087,7 +19030,7 @@
               <a:buChar char="-"/>
             </a:pPr>
             <a:r>
-              <a:rPr lang="ru-RU" sz="2100" dirty="0" smtClean="0"/>
+              <a:rPr lang="ru-RU" sz="2100" dirty="0"/>
               <a:t>Состояния запросов ведущего/ведомого устройств</a:t>
             </a:r>
           </a:p>
@@ -19097,10 +19040,9 @@
               <a:buChar char="-"/>
             </a:pPr>
             <a:r>
-              <a:rPr lang="ru-RU" sz="2100" dirty="0" smtClean="0"/>
+              <a:rPr lang="ru-RU" sz="2100" dirty="0"/>
               <a:t>Состояния ответов ведущего/ведомого устройств</a:t>
             </a:r>
-            <a:endParaRPr lang="ru-RU" sz="2100" dirty="0"/>
           </a:p>
         </p:txBody>
       </p:sp>
@@ -19150,11 +19092,11 @@
           <a:lstStyle/>
           <a:p>
             <a:r>
-              <a:rPr lang="ru-RU" dirty="0" smtClean="0"/>
+              <a:rPr lang="ru-RU" dirty="0"/>
               <a:t>Развитие стандарта </a:t>
             </a:r>
             <a:r>
-              <a:rPr lang="en-US" dirty="0" err="1" smtClean="0"/>
+              <a:rPr lang="en-US" dirty="0" err="1"/>
               <a:t>BlueTooth</a:t>
             </a:r>
             <a:endParaRPr lang="ru-RU" dirty="0"/>
@@ -19199,7 +19141,7 @@
               <a:rPr lang="ru-RU" b="1" dirty="0"/>
             </a:br>
             <a:r>
-              <a:rPr lang="ru-RU" b="1" dirty="0" smtClean="0"/>
+              <a:rPr lang="ru-RU" b="1" dirty="0"/>
               <a:t>Беспроводные локальные сети </a:t>
             </a:r>
             <a:r>
@@ -19424,29 +19366,24 @@
             <a:pPr lvl="1"/>
             <a:r>
               <a:rPr lang="ru-RU" sz="2100" b="1" dirty="0"/>
-              <a:t>Добавлена поддержка трёхпроводного интерфейса </a:t>
-            </a:r>
-            <a:r>
-              <a:rPr lang="ru-RU" sz="2100" b="1" dirty="0" smtClean="0"/>
-              <a:t>UART</a:t>
-            </a:r>
-            <a:r>
-              <a:rPr lang="en-US" sz="2100" b="1" dirty="0" smtClean="0"/>
+              <a:t>Добавлена поддержка трёхпроводного интерфейса UART</a:t>
+            </a:r>
+            <a:r>
+              <a:rPr lang="en-US" sz="2100" b="1" dirty="0"/>
               <a:t> </a:t>
             </a:r>
             <a:r>
-              <a:rPr lang="ru-RU" sz="2100" b="1" dirty="0" smtClean="0"/>
+              <a:rPr lang="ru-RU" sz="2100" b="1" dirty="0"/>
               <a:t>(использование протокола </a:t>
             </a:r>
             <a:r>
-              <a:rPr lang="en-US" sz="2100" b="1" dirty="0" smtClean="0"/>
+              <a:rPr lang="en-US" sz="2100" b="1" dirty="0"/>
               <a:t>AT </a:t>
             </a:r>
             <a:r>
-              <a:rPr lang="ru-RU" sz="2100" b="1" dirty="0" smtClean="0"/>
+              <a:rPr lang="ru-RU" sz="2100" b="1" dirty="0"/>
               <a:t>команд).</a:t>
             </a:r>
-            <a:endParaRPr lang="ru-RU" sz="2100" b="1" dirty="0"/>
           </a:p>
           <a:p>
             <a:pPr lvl="1"/>
@@ -19690,13 +19627,8 @@
             </a:pPr>
             <a:r>
               <a:rPr lang="ru-RU" sz="2100" dirty="0"/>
-              <a:t>Снижение потребления </a:t>
-            </a:r>
-            <a:r>
-              <a:rPr lang="ru-RU" sz="2100" dirty="0" smtClean="0"/>
-              <a:t>энергии.</a:t>
-            </a:r>
-            <a:endParaRPr lang="ru-RU" sz="2100" dirty="0"/>
+              <a:t>Снижение потребления энергии.</a:t>
+            </a:r>
           </a:p>
           <a:p>
             <a:pPr>
@@ -19918,11 +19850,11 @@
               </a:spcBef>
             </a:pPr>
             <a:r>
-              <a:rPr lang="ru-RU" sz="2100" b="1" dirty="0" err="1" smtClean="0"/>
+              <a:rPr lang="ru-RU" sz="2100" b="1" dirty="0" err="1"/>
               <a:t>подстандарт</a:t>
             </a:r>
             <a:r>
-              <a:rPr lang="ru-RU" sz="2100" b="1" dirty="0" smtClean="0"/>
+              <a:rPr lang="ru-RU" sz="2100" b="1" dirty="0"/>
               <a:t> </a:t>
             </a:r>
             <a:r>
@@ -19946,27 +19878,27 @@
               </a:spcBef>
             </a:pPr>
             <a:r>
-              <a:rPr lang="ru-RU" sz="2100" b="1" dirty="0" err="1" smtClean="0"/>
+              <a:rPr lang="ru-RU" sz="2100" b="1" dirty="0" err="1"/>
               <a:t>подстандарт</a:t>
             </a:r>
             <a:r>
-              <a:rPr lang="ru-RU" sz="2100" dirty="0" smtClean="0"/>
+              <a:rPr lang="ru-RU" sz="2100" dirty="0"/>
               <a:t> </a:t>
             </a:r>
             <a:r>
-              <a:rPr lang="ru-RU" sz="2100" b="1" dirty="0" err="1" smtClean="0"/>
+              <a:rPr lang="ru-RU" sz="2100" b="1" dirty="0" err="1"/>
               <a:t>Bluetooth</a:t>
             </a:r>
             <a:r>
-              <a:rPr lang="ru-RU" sz="2100" b="1" dirty="0" smtClean="0"/>
+              <a:rPr lang="ru-RU" sz="2100" b="1" dirty="0"/>
               <a:t> </a:t>
             </a:r>
             <a:r>
-              <a:rPr lang="en-US" sz="2100" b="1" dirty="0" smtClean="0"/>
+              <a:rPr lang="en-US" sz="2100" b="1" dirty="0"/>
               <a:t>HS</a:t>
             </a:r>
             <a:r>
-              <a:rPr lang="en-US" sz="2100" dirty="0" smtClean="0"/>
+              <a:rPr lang="en-US" sz="2100" dirty="0"/>
               <a:t> </a:t>
             </a:r>
             <a:r>
@@ -20289,11 +20221,7 @@
             <a:pPr lvl="2"/>
             <a:r>
               <a:rPr lang="ru-RU" sz="2100" dirty="0"/>
-              <a:t>защита от помех путем </a:t>
-            </a:r>
-            <a:r>
-              <a:rPr lang="ru-RU" sz="2100" dirty="0" smtClean="0"/>
-              <a:t>различий в кодировании </a:t>
+              <a:t>защита от помех путем различий в кодировании </a:t>
             </a:r>
             <a:r>
               <a:rPr lang="en-US" sz="2100" dirty="0"/>
@@ -25024,14 +24952,6 @@
   <p:clrMapOvr>
     <a:masterClrMapping/>
   </p:clrMapOvr>
-  <mc:AlternateContent xmlns:mc="http://schemas.openxmlformats.org/markup-compatibility/2006" xmlns:p14="http://schemas.microsoft.com/office/powerpoint/2010/main">
-    <mc:Choice Requires="p14">
-      <p:transition spd="slow" p14:dur="2000"/>
-    </mc:Choice>
-    <mc:Fallback xmlns="">
-      <p:transition spd="slow"/>
-    </mc:Fallback>
-  </mc:AlternateContent>
 </p:sld>
 </file>
 
@@ -25299,19 +25219,6 @@
                         <a:tabLst/>
                       </a:pPr>
                       <a:r>
-                        <a:rPr kumimoji="0" lang="ru-RU" sz="1400" b="1" i="0" u="none" strike="noStrike" cap="none" normalizeH="0" baseline="0" dirty="0" smtClean="0">
-                          <a:ln>
-                            <a:noFill/>
-                          </a:ln>
-                          <a:solidFill>
-                            <a:schemeClr val="tx1"/>
-                          </a:solidFill>
-                          <a:effectLst/>
-                          <a:latin typeface="Tahoma" pitchFamily="34" charset="0"/>
-                        </a:rPr>
-                        <a:t>Базовый IEEE </a:t>
-                      </a:r>
-                      <a:r>
                         <a:rPr kumimoji="0" lang="ru-RU" sz="1400" b="1" i="0" u="none" strike="noStrike" cap="none" normalizeH="0" baseline="0" dirty="0">
                           <a:ln>
                             <a:noFill/>
@@ -25322,7 +25229,7 @@
                           <a:effectLst/>
                           <a:latin typeface="Tahoma" pitchFamily="34" charset="0"/>
                         </a:rPr>
-                        <a:t>802.11</a:t>
+                        <a:t>Базовый IEEE 802.11</a:t>
                       </a:r>
                       <a:endParaRPr kumimoji="0" lang="ru-RU" sz="1400" b="1" i="0" u="none" strike="noStrike" cap="none" normalizeH="0" baseline="0" dirty="0">
                         <a:ln>
@@ -25407,7 +25314,7 @@
                         <a:tabLst/>
                       </a:pPr>
                       <a:r>
-                        <a:rPr kumimoji="0" lang="ru-RU" sz="1400" b="1" i="0" u="none" strike="noStrike" cap="none" normalizeH="0" baseline="0" dirty="0" err="1" smtClean="0">
+                        <a:rPr kumimoji="0" lang="ru-RU" sz="1400" b="1" i="0" u="none" strike="noStrike" cap="none" normalizeH="0" baseline="0" dirty="0" err="1">
                           <a:ln>
                             <a:noFill/>
                           </a:ln>
@@ -25420,7 +25327,7 @@
                         <a:t>Bluetooth</a:t>
                       </a:r>
                       <a:r>
-                        <a:rPr kumimoji="0" lang="ru-RU" sz="1400" b="1" i="0" u="none" strike="noStrike" cap="none" normalizeH="0" baseline="0" dirty="0" smtClean="0">
+                        <a:rPr kumimoji="0" lang="ru-RU" sz="1400" b="1" i="0" u="none" strike="noStrike" cap="none" normalizeH="0" baseline="0" dirty="0">
                           <a:ln>
                             <a:noFill/>
                           </a:ln>
@@ -27921,14 +27828,6 @@
   <p:clrMapOvr>
     <a:masterClrMapping/>
   </p:clrMapOvr>
-  <mc:AlternateContent xmlns:mc="http://schemas.openxmlformats.org/markup-compatibility/2006" xmlns:p14="http://schemas.microsoft.com/office/powerpoint/2010/main">
-    <mc:Choice Requires="p14">
-      <p:transition spd="slow" p14:dur="2000"/>
-    </mc:Choice>
-    <mc:Fallback xmlns="">
-      <p:transition spd="slow"/>
-    </mc:Fallback>
-  </mc:AlternateContent>
 </p:sld>
 </file>
 
@@ -27965,11 +27864,11 @@
           <a:lstStyle/>
           <a:p>
             <a:r>
-              <a:rPr lang="ru-RU" dirty="0" smtClean="0"/>
+              <a:rPr lang="ru-RU" dirty="0"/>
               <a:t>Физический уровень стандарта </a:t>
             </a:r>
             <a:r>
-              <a:rPr lang="en-US" dirty="0" err="1" smtClean="0"/>
+              <a:rPr lang="en-US" dirty="0" err="1"/>
               <a:t>BlueTooth</a:t>
             </a:r>
             <a:endParaRPr lang="ru-RU" dirty="0"/>
@@ -28014,7 +27913,7 @@
               <a:rPr lang="ru-RU" b="1" dirty="0"/>
             </a:br>
             <a:r>
-              <a:rPr lang="ru-RU" b="1" dirty="0" smtClean="0"/>
+              <a:rPr lang="ru-RU" b="1" dirty="0"/>
               <a:t>Беспроводные локальные сети </a:t>
             </a:r>
             <a:r>
@@ -28077,12 +27976,8 @@
           <a:lstStyle/>
           <a:p>
             <a:r>
-              <a:rPr lang="ru-RU" sz="4000" b="1" dirty="0" smtClean="0"/>
-              <a:t>Доступ </a:t>
-            </a:r>
-            <a:r>
               <a:rPr lang="ru-RU" sz="4000" b="1" dirty="0"/>
-              <a:t>к </a:t>
+              <a:t>Доступ к </a:t>
             </a:r>
             <a:r>
               <a:rPr lang="ru-RU" sz="4000" b="1" dirty="0" err="1"/>
@@ -28321,12 +28216,8 @@
           <a:lstStyle/>
           <a:p>
             <a:r>
-              <a:rPr lang="ru-RU" b="1" dirty="0" smtClean="0"/>
-              <a:t>Расширение </a:t>
-            </a:r>
-            <a:r>
               <a:rPr lang="ru-RU" b="1" dirty="0"/>
-              <a:t>спектра</a:t>
+              <a:t>Расширение спектра</a:t>
             </a:r>
           </a:p>
         </p:txBody>
@@ -28516,12 +28407,8 @@
           <a:lstStyle/>
           <a:p>
             <a:r>
-              <a:rPr lang="ru-RU" sz="3500" b="1" dirty="0" smtClean="0"/>
-              <a:t>Режимы </a:t>
-            </a:r>
-            <a:r>
               <a:rPr lang="ru-RU" sz="3500" b="1" dirty="0"/>
-              <a:t>адресного доступа</a:t>
+              <a:t>Режимы адресного доступа</a:t>
             </a:r>
           </a:p>
         </p:txBody>
@@ -28563,15 +28450,7 @@
             </a:r>
             <a:r>
               <a:rPr lang="ru-RU" sz="2400" dirty="0"/>
-              <a:t> </a:t>
-            </a:r>
-            <a:r>
-              <a:rPr lang="ru-RU" sz="2400" dirty="0" smtClean="0"/>
-              <a:t>используются все три </a:t>
-            </a:r>
-            <a:r>
-              <a:rPr lang="ru-RU" sz="2400" dirty="0"/>
-              <a:t>схемы множественного доступа </a:t>
+              <a:t> используются все три схемы множественного доступа </a:t>
             </a:r>
           </a:p>
           <a:p>
@@ -28844,23 +28723,15 @@
           <a:lstStyle/>
           <a:p>
             <a:r>
-              <a:rPr lang="ru-RU" sz="3500" b="1" dirty="0" smtClean="0"/>
-              <a:t>Режимы </a:t>
-            </a:r>
-            <a:r>
               <a:rPr lang="ru-RU" sz="3500" b="1" dirty="0"/>
-              <a:t>работы </a:t>
-            </a:r>
-            <a:r>
-              <a:rPr lang="ru-RU" sz="3500" b="1" dirty="0" smtClean="0"/>
-              <a:t>внутри </a:t>
-            </a:r>
-            <a:r>
-              <a:rPr lang="ru-RU" sz="3500" b="1" dirty="0" err="1" smtClean="0"/>
+              <a:t>Режимы работы внутри </a:t>
+            </a:r>
+            <a:r>
+              <a:rPr lang="ru-RU" sz="3500" b="1" dirty="0" err="1"/>
               <a:t>пикосети</a:t>
             </a:r>
             <a:r>
-              <a:rPr lang="ru-RU" sz="3500" b="1" dirty="0" smtClean="0"/>
+              <a:rPr lang="ru-RU" sz="3500" b="1" dirty="0"/>
               <a:t> </a:t>
             </a:r>
             <a:r>
@@ -29061,23 +28932,15 @@
           <a:lstStyle/>
           <a:p>
             <a:r>
-              <a:rPr lang="ru-RU" sz="3500" b="1" dirty="0" smtClean="0"/>
-              <a:t>Режимы </a:t>
-            </a:r>
-            <a:r>
               <a:rPr lang="ru-RU" sz="3500" b="1" dirty="0"/>
-              <a:t>работы </a:t>
-            </a:r>
-            <a:r>
-              <a:rPr lang="ru-RU" sz="3500" b="1" dirty="0" smtClean="0"/>
-              <a:t>внутри </a:t>
-            </a:r>
-            <a:r>
-              <a:rPr lang="ru-RU" sz="3500" b="1" dirty="0" err="1" smtClean="0"/>
+              <a:t>Режимы работы внутри </a:t>
+            </a:r>
+            <a:r>
+              <a:rPr lang="ru-RU" sz="3500" b="1" dirty="0" err="1"/>
               <a:t>пикосети</a:t>
             </a:r>
             <a:r>
-              <a:rPr lang="ru-RU" sz="3500" b="1" dirty="0" smtClean="0"/>
+              <a:rPr lang="ru-RU" sz="3500" b="1" dirty="0"/>
               <a:t> </a:t>
             </a:r>
             <a:r>
@@ -29209,19 +29072,15 @@
           <a:lstStyle/>
           <a:p>
             <a:r>
-              <a:rPr lang="ru-RU" sz="3500" b="1" dirty="0" smtClean="0"/>
-              <a:t>Доступ </a:t>
-            </a:r>
-            <a:r>
               <a:rPr lang="ru-RU" sz="3500" b="1" dirty="0"/>
-              <a:t>к разным </a:t>
-            </a:r>
-            <a:r>
-              <a:rPr lang="ru-RU" sz="3500" b="1" dirty="0" err="1" smtClean="0"/>
+              <a:t>Доступ к разным </a:t>
+            </a:r>
+            <a:r>
+              <a:rPr lang="ru-RU" sz="3500" b="1" dirty="0" err="1"/>
               <a:t>пикосетям</a:t>
             </a:r>
             <a:r>
-              <a:rPr lang="ru-RU" sz="3500" b="1" dirty="0" smtClean="0"/>
+              <a:rPr lang="ru-RU" sz="3500" b="1" dirty="0"/>
               <a:t> </a:t>
             </a:r>
             <a:r>
@@ -29403,8 +29262,8 @@
         </p:blipFill>
         <p:spPr bwMode="auto">
           <a:xfrm>
-            <a:off x="3347864" y="4328757"/>
-            <a:ext cx="3404019" cy="2420888"/>
+            <a:off x="2843808" y="3970280"/>
+            <a:ext cx="3908075" cy="2779365"/>
           </a:xfrm>
           <a:prstGeom prst="rect">
             <a:avLst/>
@@ -29485,10 +29344,6 @@
               <a:rPr lang="ru-RU" sz="3200" b="1" dirty="0"/>
               <a:t>Беспроводные сети </a:t>
             </a:r>
-            <a:r>
-              <a:rPr lang="en-US" sz="3200" b="1" dirty="0"/>
-              <a:t/>
-            </a:r>
             <a:br>
               <a:rPr lang="en-US" sz="3200" b="1" dirty="0"/>
             </a:br>
@@ -29575,20 +29430,6 @@
               <a:buNone/>
               <a:tabLst/>
             </a:pPr>
-            <a:r>
-              <a:rPr kumimoji="0" lang="ru-RU" altLang="ru-RU" sz="1800" b="0" i="0" u="none" strike="noStrike" cap="none" normalizeH="0" baseline="0">
-                <a:ln>
-                  <a:noFill/>
-                </a:ln>
-                <a:solidFill>
-                  <a:schemeClr val="tx1"/>
-                </a:solidFill>
-                <a:effectLst/>
-                <a:latin typeface="Arial" pitchFamily="34" charset="0"/>
-                <a:cs typeface="Arial" pitchFamily="34" charset="0"/>
-              </a:rPr>
-              <a:t/>
-            </a:r>
             <a:br>
               <a:rPr kumimoji="0" lang="ru-RU" altLang="ru-RU" sz="1800" b="0" i="0" u="none" strike="noStrike" cap="none" normalizeH="0" baseline="0">
                 <a:ln>
@@ -32266,12 +32107,6 @@
                         </a:rPr>
                         <a:t>1 Гбит/с (WMAN), </a:t>
                       </a:r>
-                      <a:r>
-                        <a:rPr lang="en-US" sz="2000" kern="1200" dirty="0">
-                          <a:effectLst/>
-                        </a:rPr>
-                        <a:t/>
-                      </a:r>
                       <a:br>
                         <a:rPr lang="en-US" sz="2000" kern="1200" dirty="0">
                           <a:effectLst/>
@@ -32282,12 +32117,6 @@
                           <a:effectLst/>
                         </a:rPr>
                         <a:t>100 Мбит/с </a:t>
-                      </a:r>
-                      <a:r>
-                        <a:rPr lang="en-US" sz="2000" kern="1200" dirty="0">
-                          <a:effectLst/>
-                        </a:rPr>
-                        <a:t/>
                       </a:r>
                       <a:br>
                         <a:rPr lang="en-US" sz="2000" kern="1200" dirty="0">
@@ -32521,7 +32350,7 @@
           <a:lstStyle/>
           <a:p>
             <a:r>
-              <a:rPr lang="ru-RU" sz="3500" b="1" dirty="0" smtClean="0"/>
+              <a:rPr lang="ru-RU" sz="3500" b="1" dirty="0"/>
               <a:t>Разделение </a:t>
             </a:r>
             <a:r>
@@ -32530,11 +32359,7 @@
             </a:r>
             <a:r>
               <a:rPr lang="ru-RU" sz="3500" b="1" dirty="0"/>
-              <a:t> и совместимость с другими </a:t>
-            </a:r>
-            <a:r>
-              <a:rPr lang="ru-RU" sz="3500" b="1" dirty="0" smtClean="0"/>
-              <a:t>протоколами связи в одном частотном диапазоне </a:t>
+              <a:t> и совместимость с другими протоколами связи в одном частотном диапазоне </a:t>
             </a:r>
             <a:r>
               <a:rPr lang="en-US" sz="3600" b="1" dirty="0"/>
@@ -32717,11 +32542,11 @@
           <a:lstStyle/>
           <a:p>
             <a:r>
-              <a:rPr lang="ru-RU" dirty="0" smtClean="0"/>
+              <a:rPr lang="ru-RU" dirty="0"/>
               <a:t>Стек протоколов стандарта </a:t>
             </a:r>
             <a:r>
-              <a:rPr lang="en-US" dirty="0" err="1" smtClean="0"/>
+              <a:rPr lang="en-US" dirty="0" err="1"/>
               <a:t>BlueTooth</a:t>
             </a:r>
             <a:endParaRPr lang="ru-RU" dirty="0"/>
@@ -32766,7 +32591,7 @@
               <a:rPr lang="ru-RU" b="1" dirty="0"/>
             </a:br>
             <a:r>
-              <a:rPr lang="ru-RU" b="1" dirty="0" smtClean="0"/>
+              <a:rPr lang="ru-RU" b="1" dirty="0"/>
               <a:t>Беспроводные локальные сети </a:t>
             </a:r>
             <a:r>
@@ -33938,12 +33763,8 @@
           <a:lstStyle/>
           <a:p>
             <a:r>
-              <a:rPr lang="ru-RU" sz="3600" b="1" dirty="0" smtClean="0"/>
-              <a:t>Интерфейс </a:t>
-            </a:r>
-            <a:r>
               <a:rPr lang="ru-RU" sz="3600" b="1" dirty="0"/>
-              <a:t>хост-контроллер (HCI). </a:t>
+              <a:t>Интерфейс хост-контроллер (HCI). </a:t>
             </a:r>
             <a:endParaRPr lang="ru-RU" sz="3600" dirty="0"/>
           </a:p>
@@ -34089,11 +33910,11 @@
           <a:lstStyle/>
           <a:p>
             <a:r>
-              <a:rPr lang="en-US" b="1" smtClean="0"/>
+              <a:rPr lang="en-US" b="1"/>
               <a:t>Bluetooth</a:t>
             </a:r>
             <a:r>
-              <a:rPr lang="ru-RU" b="1" smtClean="0"/>
+              <a:rPr lang="ru-RU" b="1"/>
               <a:t>. Стек протоколов </a:t>
             </a:r>
             <a:endParaRPr lang="ru-RU" dirty="0"/>
@@ -34123,35 +33944,35 @@
           <a:lstStyle/>
           <a:p>
             <a:r>
-              <a:rPr lang="ru-RU" sz="2400" b="1" smtClean="0"/>
+              <a:rPr lang="ru-RU" sz="2400" b="1"/>
               <a:t>Протокол радиопередачи</a:t>
             </a:r>
             <a:r>
-              <a:rPr lang="ru-RU" sz="2400" smtClean="0"/>
+              <a:rPr lang="ru-RU" sz="2400"/>
               <a:t> (</a:t>
             </a:r>
             <a:r>
-              <a:rPr lang="en-US" sz="2400" smtClean="0"/>
+              <a:rPr lang="en-US" sz="2400"/>
               <a:t>BLUETOOTH</a:t>
             </a:r>
             <a:r>
-              <a:rPr lang="ru-RU" sz="2400" smtClean="0"/>
+              <a:rPr lang="ru-RU" sz="2400"/>
               <a:t>.</a:t>
             </a:r>
             <a:r>
-              <a:rPr lang="en-US" sz="2400" smtClean="0"/>
+              <a:rPr lang="en-US" sz="2400"/>
               <a:t>RADIO</a:t>
             </a:r>
             <a:r>
-              <a:rPr lang="ru-RU" sz="2400" smtClean="0"/>
+              <a:rPr lang="ru-RU" sz="2400"/>
               <a:t>).</a:t>
             </a:r>
-            <a:endParaRPr lang="en-US" sz="2400" smtClean="0"/>
+            <a:endParaRPr lang="en-US" sz="2400"/>
           </a:p>
           <a:p>
             <a:pPr lvl="1"/>
             <a:r>
-              <a:rPr lang="ru-RU" sz="2000" smtClean="0"/>
+              <a:rPr lang="ru-RU" sz="2000"/>
               <a:t>Описывает детали радиоинтерфейса (используемые частоты, тип модуляции, мощность передачи). </a:t>
             </a:r>
             <a:endParaRPr lang="ru-RU" sz="2000" dirty="0"/>
@@ -34210,14 +34031,6 @@
   <p:clrMapOvr>
     <a:masterClrMapping/>
   </p:clrMapOvr>
-  <mc:AlternateContent xmlns:mc="http://schemas.openxmlformats.org/markup-compatibility/2006" xmlns:p14="http://schemas.microsoft.com/office/powerpoint/2010/main">
-    <mc:Choice Requires="p14">
-      <p:transition spd="slow" p14:dur="2000"/>
-    </mc:Choice>
-    <mc:Fallback xmlns="">
-      <p:transition spd="slow"/>
-    </mc:Fallback>
-  </mc:AlternateContent>
 </p:sld>
 </file>
 
@@ -34592,13 +34405,8 @@
             <a:pPr lvl="1"/>
             <a:r>
               <a:rPr lang="ru-RU" sz="2000" dirty="0"/>
-              <a:t>Согласовывает и обеспечивает заданное качество обслуживания на уровне логических каналов </a:t>
-            </a:r>
-            <a:r>
-              <a:rPr lang="ru-RU" sz="2000" dirty="0" smtClean="0"/>
-              <a:t>(установка логических каналов широковещательных, настройки, пользовательских и т.д.)</a:t>
-            </a:r>
-            <a:endParaRPr lang="ru-RU" sz="2000" dirty="0"/>
+              <a:t>Согласовывает и обеспечивает заданное качество обслуживания на уровне логических каналов (установка логических каналов широковещательных, настройки, пользовательских и т.д.)</a:t>
+            </a:r>
           </a:p>
           <a:p>
             <a:pPr lvl="1"/>
@@ -34868,14 +34676,6 @@
   <p:clrMapOvr>
     <a:masterClrMapping/>
   </p:clrMapOvr>
-  <mc:AlternateContent xmlns:mc="http://schemas.openxmlformats.org/markup-compatibility/2006" xmlns:p14="http://schemas.microsoft.com/office/powerpoint/2010/main">
-    <mc:Choice Requires="p14">
-      <p:transition spd="slow" p14:dur="2000"/>
-    </mc:Choice>
-    <mc:Fallback xmlns="">
-      <p:transition spd="slow"/>
-    </mc:Fallback>
-  </mc:AlternateContent>
 </p:sld>
 </file>
 
@@ -35021,20 +34821,6 @@
               <a:buNone/>
               <a:tabLst/>
             </a:pPr>
-            <a:r>
-              <a:rPr kumimoji="0" lang="ru-RU" altLang="ru-RU" sz="1800" b="0" i="0" u="none" strike="noStrike" cap="none" normalizeH="0" baseline="0">
-                <a:ln>
-                  <a:noFill/>
-                </a:ln>
-                <a:solidFill>
-                  <a:schemeClr val="tx1"/>
-                </a:solidFill>
-                <a:effectLst/>
-                <a:latin typeface="Arial" pitchFamily="34" charset="0"/>
-                <a:cs typeface="Arial" pitchFamily="34" charset="0"/>
-              </a:rPr>
-              <a:t/>
-            </a:r>
             <a:br>
               <a:rPr kumimoji="0" lang="ru-RU" altLang="ru-RU" sz="1800" b="0" i="0" u="none" strike="noStrike" cap="none" normalizeH="0" baseline="0">
                 <a:ln>
@@ -37244,12 +37030,8 @@
           <a:lstStyle/>
           <a:p>
             <a:r>
-              <a:rPr lang="ru-RU" b="1" dirty="0" smtClean="0"/>
-              <a:t>Примеры </a:t>
-            </a:r>
-            <a:r>
               <a:rPr lang="ru-RU" b="1" dirty="0"/>
-              <a:t>срезов протоколов</a:t>
+              <a:t>Примеры срезов протоколов</a:t>
             </a:r>
             <a:endParaRPr lang="ru-RU" dirty="0"/>
           </a:p>
@@ -37533,14 +37315,6 @@
   <p:clrMapOvr>
     <a:masterClrMapping/>
   </p:clrMapOvr>
-  <mc:AlternateContent xmlns:mc="http://schemas.openxmlformats.org/markup-compatibility/2006" xmlns:p14="http://schemas.microsoft.com/office/powerpoint/2010/main">
-    <mc:Choice Requires="p14">
-      <p:transition spd="slow" p14:dur="2000"/>
-    </mc:Choice>
-    <mc:Fallback xmlns="">
-      <p:transition spd="slow"/>
-    </mc:Fallback>
-  </mc:AlternateContent>
 </p:sld>
 </file>
 
@@ -37579,11 +37353,11 @@
           <a:lstStyle/>
           <a:p>
             <a:r>
-              <a:rPr lang="ru-RU" dirty="0" smtClean="0"/>
+              <a:rPr lang="ru-RU" dirty="0"/>
               <a:t>Логическая архитектура стандарта </a:t>
             </a:r>
             <a:r>
-              <a:rPr lang="en-US" dirty="0" err="1" smtClean="0"/>
+              <a:rPr lang="en-US" dirty="0" err="1"/>
               <a:t>BlueTooth</a:t>
             </a:r>
             <a:endParaRPr lang="ru-RU" dirty="0"/>
@@ -37628,7 +37402,7 @@
               <a:rPr lang="ru-RU" b="1" dirty="0"/>
             </a:br>
             <a:r>
-              <a:rPr lang="ru-RU" b="1" dirty="0" smtClean="0"/>
+              <a:rPr lang="ru-RU" b="1" dirty="0"/>
               <a:t>Беспроводные локальные сети </a:t>
             </a:r>
             <a:r>
@@ -37691,12 +37465,8 @@
           <a:lstStyle/>
           <a:p>
             <a:r>
-              <a:rPr lang="ru-RU" b="1" dirty="0" smtClean="0"/>
-              <a:t>Логическая </a:t>
-            </a:r>
-            <a:r>
               <a:rPr lang="ru-RU" b="1" dirty="0"/>
-              <a:t>архитектура</a:t>
+              <a:t>Логическая архитектура</a:t>
             </a:r>
             <a:endParaRPr lang="ru-RU" dirty="0"/>
           </a:p>
@@ -37744,23 +37514,19 @@
           <a:p>
             <a:pPr marL="285750" indent="-285750"/>
             <a:r>
-              <a:rPr lang="ru-RU" sz="2400" b="1" dirty="0" smtClean="0"/>
+              <a:rPr lang="ru-RU" sz="2400" b="1" dirty="0"/>
               <a:t>Логические каналы </a:t>
             </a:r>
             <a:r>
-              <a:rPr lang="ru-RU" sz="2400" dirty="0" smtClean="0"/>
+              <a:rPr lang="ru-RU" sz="2400" dirty="0"/>
               <a:t>– функционально различающиеся типы запросов - ответов. </a:t>
             </a:r>
           </a:p>
           <a:p>
             <a:pPr marL="685800" lvl="1"/>
             <a:r>
-              <a:rPr lang="ru-RU" sz="2000" dirty="0" smtClean="0"/>
-              <a:t>Идентифицируется </a:t>
-            </a:r>
-            <a:r>
               <a:rPr lang="ru-RU" sz="2000" dirty="0"/>
-              <a:t>через заголовок пакета или заголовок полезной нагрузки пакета. </a:t>
+              <a:t>Идентифицируется через заголовок пакета или заголовок полезной нагрузки пакета. </a:t>
             </a:r>
           </a:p>
         </p:txBody>
@@ -37867,9 +37633,7 @@
           <p:cNvGraphicFramePr>
             <a:graphicFrameLocks noGrp="1"/>
           </p:cNvGraphicFramePr>
-          <p:nvPr>
-            <p:extLst/>
-          </p:nvPr>
+          <p:nvPr/>
         </p:nvGraphicFramePr>
         <p:xfrm>
           <a:off x="107504" y="692696"/>
@@ -39095,14 +38859,6 @@
   <p:clrMapOvr>
     <a:masterClrMapping/>
   </p:clrMapOvr>
-  <mc:AlternateContent xmlns:mc="http://schemas.openxmlformats.org/markup-compatibility/2006" xmlns:p14="http://schemas.microsoft.com/office/powerpoint/2010/main">
-    <mc:Choice Requires="p14">
-      <p:transition spd="slow" p14:dur="2000"/>
-    </mc:Choice>
-    <mc:Fallback xmlns="">
-      <p:transition spd="slow"/>
-    </mc:Fallback>
-  </mc:AlternateContent>
 </p:sld>
 </file>
 
@@ -39312,14 +39068,6 @@
   <p:clrMapOvr>
     <a:masterClrMapping/>
   </p:clrMapOvr>
-  <mc:AlternateContent xmlns:mc="http://schemas.openxmlformats.org/markup-compatibility/2006" xmlns:p14="http://schemas.microsoft.com/office/powerpoint/2010/main">
-    <mc:Choice Requires="p14">
-      <p:transition spd="slow" p14:dur="2000"/>
-    </mc:Choice>
-    <mc:Fallback xmlns="">
-      <p:transition spd="slow"/>
-    </mc:Fallback>
-  </mc:AlternateContent>
 </p:sld>
 </file>
 
@@ -39425,12 +39173,12 @@
           <a:graphicData uri="http://schemas.openxmlformats.org/presentationml/2006/ole">
             <mc:AlternateContent xmlns:mc="http://schemas.openxmlformats.org/markup-compatibility/2006">
               <mc:Choice xmlns:v="urn:schemas-microsoft-com:vml" Requires="v">
-                <p:oleObj spid="_x0000_s24590" name="Visio" r:id="rId3" imgW="4422588" imgH="2974106" progId="">
+                <p:oleObj name="Visio" r:id="rId2" imgW="4422588" imgH="2974106" progId="">
                   <p:embed/>
                 </p:oleObj>
               </mc:Choice>
               <mc:Fallback>
-                <p:oleObj name="Visio" r:id="rId3" imgW="4422588" imgH="2974106" progId="">
+                <p:oleObj name="Visio" r:id="rId2" imgW="4422588" imgH="2974106" progId="">
                   <p:embed/>
                   <p:pic>
                     <p:nvPicPr>
@@ -39441,7 +39189,7 @@
                       <p:nvPr/>
                     </p:nvPicPr>
                     <p:blipFill>
-                      <a:blip r:embed="rId4">
+                      <a:blip r:embed="rId3">
                         <a:extLst>
                           <a:ext uri="{28A0092B-C50C-407E-A947-70E740481C1C}">
                             <a14:useLocalDpi xmlns:a14="http://schemas.microsoft.com/office/drawing/2010/main" val="0"/>
@@ -39512,14 +39260,6 @@
   <p:clrMapOvr>
     <a:masterClrMapping/>
   </p:clrMapOvr>
-  <mc:AlternateContent xmlns:mc="http://schemas.openxmlformats.org/markup-compatibility/2006" xmlns:p14="http://schemas.microsoft.com/office/powerpoint/2010/main">
-    <mc:Choice Requires="p14">
-      <p:transition spd="slow" p14:dur="2000"/>
-    </mc:Choice>
-    <mc:Fallback xmlns="">
-      <p:transition spd="slow"/>
-    </mc:Fallback>
-  </mc:AlternateContent>
 </p:sld>
 </file>
 
@@ -39889,10 +39629,6 @@
             <a:r>
               <a:rPr lang="en-US" sz="3600" b="1" dirty="0"/>
               <a:t>. </a:t>
-            </a:r>
-            <a:r>
-              <a:rPr lang="ru-RU" sz="3600" b="1" dirty="0"/>
-              <a:t/>
             </a:r>
             <a:br>
               <a:rPr lang="ru-RU" sz="3600" b="1" dirty="0"/>
